--- a/Study/[Fastcampus]UX_UI 디자인 입문/04 컴포넌트 디자인.pptx
+++ b/Study/[Fastcampus]UX_UI 디자인 입문/04 컴포넌트 디자인.pptx
@@ -552,7 +552,7 @@
           <a:p>
             <a:fld id="{2B18F063-8499-4338-8459-6AB56B86AAC1}" type="datetimeFigureOut">
               <a:rPr lang="ko-KR" altLang="en-US" smtClean="0"/>
-              <a:t>2019-10-07</a:t>
+              <a:t>2019-10-09</a:t>
             </a:fld>
             <a:endParaRPr lang="ko-KR" altLang="en-US"/>
           </a:p>
@@ -999,11 +999,7 @@
             </a:br>
             <a:r>
               <a:rPr lang="en-US" altLang="ko-KR" sz="2000" b="0" dirty="0" smtClean="0"/>
-              <a:t>Bottom </a:t>
-            </a:r>
-            <a:r>
-              <a:rPr lang="en-US" altLang="ko-KR" sz="2000" b="0" dirty="0" smtClean="0"/>
-              <a:t>navigator</a:t>
+              <a:t>Bottom navigator</a:t>
             </a:r>
             <a:br>
               <a:rPr lang="en-US" altLang="ko-KR" sz="2000" b="0" dirty="0" smtClean="0"/>
